--- a/Presentation1.pptx
+++ b/Presentation1.pptx
@@ -5,7 +5,7 @@
     <p:sldMasterId id="2147483648" r:id="rId1"/>
   </p:sldMasterIdLst>
   <p:notesMasterIdLst>
-    <p:notesMasterId r:id="rId12"/>
+    <p:notesMasterId r:id="rId13"/>
   </p:notesMasterIdLst>
   <p:sldIdLst>
     <p:sldId id="256" r:id="rId2"/>
@@ -18,6 +18,7 @@
     <p:sldId id="266" r:id="rId9"/>
     <p:sldId id="263" r:id="rId10"/>
     <p:sldId id="257" r:id="rId11"/>
+    <p:sldId id="267" r:id="rId12"/>
   </p:sldIdLst>
   <p:sldSz cx="12192000" cy="6858000"/>
   <p:notesSz cx="6858000" cy="9144000"/>
@@ -5378,6 +5379,782 @@
 </p:sld>
 </file>
 
+<file path=ppt/slides/slide11.xml><?xml version="1.0" encoding="utf-8"?>
+<p:sld xmlns:a="http://schemas.openxmlformats.org/drawingml/2006/main" xmlns:r="http://schemas.openxmlformats.org/officeDocument/2006/relationships" xmlns:p="http://schemas.openxmlformats.org/presentationml/2006/main">
+  <p:cSld>
+    <p:bg>
+      <p:bgPr>
+        <a:solidFill>
+          <a:schemeClr val="bg1"/>
+        </a:solidFill>
+        <a:effectLst/>
+      </p:bgPr>
+    </p:bg>
+    <p:spTree>
+      <p:nvGrpSpPr>
+        <p:cNvPr id="1" name=""/>
+        <p:cNvGrpSpPr/>
+        <p:nvPr/>
+      </p:nvGrpSpPr>
+      <p:grpSpPr>
+        <a:xfrm>
+          <a:off x="0" y="0"/>
+          <a:ext cx="0" cy="0"/>
+          <a:chOff x="0" y="0"/>
+          <a:chExt cx="0" cy="0"/>
+        </a:xfrm>
+      </p:grpSpPr>
+      <p:sp>
+        <p:nvSpPr>
+          <p:cNvPr id="9" name="Rectangle 8">
+            <a:extLst>
+              <a:ext uri="{FF2B5EF4-FFF2-40B4-BE49-F238E27FC236}">
+                <a16:creationId xmlns:a16="http://schemas.microsoft.com/office/drawing/2014/main" id="{F3060C83-F051-4F0E-ABAD-AA0DFC48B218}"/>
+              </a:ext>
+              <a:ext uri="{C183D7F6-B498-43B3-948B-1728B52AA6E4}">
+                <adec:decorative xmlns:adec="http://schemas.microsoft.com/office/drawing/2017/decorative" val="1"/>
+              </a:ext>
+            </a:extLst>
+          </p:cNvPr>
+          <p:cNvSpPr>
+            <a:spLocks noGrp="1" noRot="1" noChangeAspect="1" noMove="1" noResize="1" noEditPoints="1" noAdjustHandles="1" noChangeArrowheads="1" noChangeShapeType="1" noTextEdit="1"/>
+          </p:cNvSpPr>
+          <p:nvPr>
+            <p:extLst>
+              <p:ext uri="{386F3935-93C4-4BCD-93E2-E3B085C9AB24}">
+                <p16:designElem xmlns:p16="http://schemas.microsoft.com/office/powerpoint/2015/main" val="1"/>
+              </p:ext>
+            </p:extLst>
+          </p:nvPr>
+        </p:nvSpPr>
+        <p:spPr>
+          <a:xfrm>
+            <a:off x="0" y="0"/>
+            <a:ext cx="12192000" cy="6858000"/>
+          </a:xfrm>
+          <a:prstGeom prst="rect">
+            <a:avLst/>
+          </a:prstGeom>
+          <a:solidFill>
+            <a:schemeClr val="bg1"/>
+          </a:solidFill>
+          <a:ln>
+            <a:noFill/>
+          </a:ln>
+        </p:spPr>
+        <p:style>
+          <a:lnRef idx="2">
+            <a:schemeClr val="accent1">
+              <a:shade val="50000"/>
+            </a:schemeClr>
+          </a:lnRef>
+          <a:fillRef idx="1">
+            <a:schemeClr val="accent1"/>
+          </a:fillRef>
+          <a:effectRef idx="0">
+            <a:schemeClr val="accent1"/>
+          </a:effectRef>
+          <a:fontRef idx="minor">
+            <a:schemeClr val="lt1"/>
+          </a:fontRef>
+        </p:style>
+        <p:txBody>
+          <a:bodyPr rtlCol="0" anchor="ctr"/>
+          <a:lstStyle/>
+          <a:p>
+            <a:pPr algn="ctr"/>
+            <a:endParaRPr lang="en-US" dirty="0"/>
+          </a:p>
+        </p:txBody>
+      </p:sp>
+      <p:sp>
+        <p:nvSpPr>
+          <p:cNvPr id="2" name="Title 1">
+            <a:extLst>
+              <a:ext uri="{FF2B5EF4-FFF2-40B4-BE49-F238E27FC236}">
+                <a16:creationId xmlns:a16="http://schemas.microsoft.com/office/drawing/2014/main" id="{BBD94552-A98B-7A4C-832B-9D3407AF1454}"/>
+              </a:ext>
+            </a:extLst>
+          </p:cNvPr>
+          <p:cNvSpPr>
+            <a:spLocks noGrp="1"/>
+          </p:cNvSpPr>
+          <p:nvPr>
+            <p:ph type="title"/>
+          </p:nvPr>
+        </p:nvSpPr>
+        <p:spPr>
+          <a:xfrm>
+            <a:off x="7586471" y="1698171"/>
+            <a:ext cx="3962061" cy="4516360"/>
+          </a:xfrm>
+        </p:spPr>
+        <p:txBody>
+          <a:bodyPr anchor="t">
+            <a:normAutofit/>
+          </a:bodyPr>
+          <a:lstStyle/>
+          <a:p>
+            <a:pPr defTabSz="914400" rtl="1" eaLnBrk="1" latinLnBrk="0" hangingPunct="1">
+              <a:spcBef>
+                <a:spcPct val="0"/>
+              </a:spcBef>
+              <a:buNone/>
+            </a:pPr>
+            <a:r>
+              <a:rPr lang="en-US" sz="3600"/>
+              <a:t>Links to sources</a:t>
+            </a:r>
+          </a:p>
+        </p:txBody>
+      </p:sp>
+      <p:sp>
+        <p:nvSpPr>
+          <p:cNvPr id="16" name="Freeform: Shape 10">
+            <a:extLst>
+              <a:ext uri="{FF2B5EF4-FFF2-40B4-BE49-F238E27FC236}">
+                <a16:creationId xmlns:a16="http://schemas.microsoft.com/office/drawing/2014/main" id="{83C98ABE-055B-441F-B07E-44F97F083C39}"/>
+              </a:ext>
+              <a:ext uri="{C183D7F6-B498-43B3-948B-1728B52AA6E4}">
+                <adec:decorative xmlns:adec="http://schemas.microsoft.com/office/drawing/2017/decorative" val="1"/>
+              </a:ext>
+            </a:extLst>
+          </p:cNvPr>
+          <p:cNvSpPr>
+            <a:spLocks noGrp="1" noRot="1" noChangeAspect="1" noMove="1" noResize="1" noEditPoints="1" noAdjustHandles="1" noChangeArrowheads="1" noChangeShapeType="1" noTextEdit="1"/>
+          </p:cNvSpPr>
+          <p:nvPr>
+            <p:extLst>
+              <p:ext uri="{386F3935-93C4-4BCD-93E2-E3B085C9AB24}">
+                <p16:designElem xmlns:p16="http://schemas.microsoft.com/office/powerpoint/2015/main" val="1"/>
+              </p:ext>
+            </p:extLst>
+          </p:nvPr>
+        </p:nvSpPr>
+        <p:spPr>
+          <a:xfrm rot="18900000" flipH="1">
+            <a:off x="-376156" y="-253670"/>
+            <a:ext cx="1827638" cy="1376989"/>
+          </a:xfrm>
+          <a:custGeom>
+            <a:avLst/>
+            <a:gdLst>
+              <a:gd name="connsiteX0" fmla="*/ 0 w 1827638"/>
+              <a:gd name="connsiteY0" fmla="*/ 987379 h 1376989"/>
+              <a:gd name="connsiteX1" fmla="*/ 987379 w 1827638"/>
+              <a:gd name="connsiteY1" fmla="*/ 0 h 1376989"/>
+              <a:gd name="connsiteX2" fmla="*/ 1827638 w 1827638"/>
+              <a:gd name="connsiteY2" fmla="*/ 840260 h 1376989"/>
+              <a:gd name="connsiteX3" fmla="*/ 1827638 w 1827638"/>
+              <a:gd name="connsiteY3" fmla="*/ 1376989 h 1376989"/>
+              <a:gd name="connsiteX4" fmla="*/ 0 w 1827638"/>
+              <a:gd name="connsiteY4" fmla="*/ 1376989 h 1376989"/>
+            </a:gdLst>
+            <a:ahLst/>
+            <a:cxnLst>
+              <a:cxn ang="0">
+                <a:pos x="connsiteX0" y="connsiteY0"/>
+              </a:cxn>
+              <a:cxn ang="0">
+                <a:pos x="connsiteX1" y="connsiteY1"/>
+              </a:cxn>
+              <a:cxn ang="0">
+                <a:pos x="connsiteX2" y="connsiteY2"/>
+              </a:cxn>
+              <a:cxn ang="0">
+                <a:pos x="connsiteX3" y="connsiteY3"/>
+              </a:cxn>
+              <a:cxn ang="0">
+                <a:pos x="connsiteX4" y="connsiteY4"/>
+              </a:cxn>
+            </a:cxnLst>
+            <a:rect l="l" t="t" r="r" b="b"/>
+            <a:pathLst>
+              <a:path w="1827638" h="1376989">
+                <a:moveTo>
+                  <a:pt x="0" y="987379"/>
+                </a:moveTo>
+                <a:lnTo>
+                  <a:pt x="987379" y="0"/>
+                </a:lnTo>
+                <a:lnTo>
+                  <a:pt x="1827638" y="840260"/>
+                </a:lnTo>
+                <a:lnTo>
+                  <a:pt x="1827638" y="1376989"/>
+                </a:lnTo>
+                <a:lnTo>
+                  <a:pt x="0" y="1376989"/>
+                </a:lnTo>
+                <a:close/>
+              </a:path>
+            </a:pathLst>
+          </a:custGeom>
+          <a:solidFill>
+            <a:schemeClr val="accent1">
+              <a:alpha val="30000"/>
+            </a:schemeClr>
+          </a:solidFill>
+          <a:ln>
+            <a:noFill/>
+          </a:ln>
+        </p:spPr>
+        <p:style>
+          <a:lnRef idx="2">
+            <a:schemeClr val="accent1">
+              <a:shade val="50000"/>
+            </a:schemeClr>
+          </a:lnRef>
+          <a:fillRef idx="1">
+            <a:schemeClr val="accent1"/>
+          </a:fillRef>
+          <a:effectRef idx="0">
+            <a:schemeClr val="accent1"/>
+          </a:effectRef>
+          <a:fontRef idx="minor">
+            <a:schemeClr val="lt1"/>
+          </a:fontRef>
+        </p:style>
+        <p:txBody>
+          <a:bodyPr wrap="square" rtlCol="0" anchor="ctr">
+            <a:noAutofit/>
+          </a:bodyPr>
+          <a:lstStyle/>
+          <a:p>
+            <a:pPr algn="ctr"/>
+            <a:endParaRPr lang="en-US" dirty="0"/>
+          </a:p>
+        </p:txBody>
+      </p:sp>
+      <p:sp>
+        <p:nvSpPr>
+          <p:cNvPr id="18" name="Rectangle 12">
+            <a:extLst>
+              <a:ext uri="{FF2B5EF4-FFF2-40B4-BE49-F238E27FC236}">
+                <a16:creationId xmlns:a16="http://schemas.microsoft.com/office/drawing/2014/main" id="{29FDB030-9B49-4CED-8CCD-4D99382388AC}"/>
+              </a:ext>
+              <a:ext uri="{C183D7F6-B498-43B3-948B-1728B52AA6E4}">
+                <adec:decorative xmlns:adec="http://schemas.microsoft.com/office/drawing/2017/decorative" val="1"/>
+              </a:ext>
+            </a:extLst>
+          </p:cNvPr>
+          <p:cNvSpPr>
+            <a:spLocks noGrp="1" noRot="1" noChangeAspect="1" noMove="1" noResize="1" noEditPoints="1" noAdjustHandles="1" noChangeArrowheads="1" noChangeShapeType="1" noTextEdit="1"/>
+          </p:cNvSpPr>
+          <p:nvPr>
+            <p:extLst>
+              <p:ext uri="{386F3935-93C4-4BCD-93E2-E3B085C9AB24}">
+                <p16:designElem xmlns:p16="http://schemas.microsoft.com/office/powerpoint/2015/main" val="1"/>
+              </p:ext>
+            </p:extLst>
+          </p:nvPr>
+        </p:nvSpPr>
+        <p:spPr>
+          <a:xfrm rot="18900000" flipH="1">
+            <a:off x="891641" y="422146"/>
+            <a:ext cx="645368" cy="645368"/>
+          </a:xfrm>
+          <a:prstGeom prst="rect">
+            <a:avLst/>
+          </a:prstGeom>
+          <a:solidFill>
+            <a:schemeClr val="accent1">
+              <a:alpha val="30000"/>
+            </a:schemeClr>
+          </a:solidFill>
+          <a:ln>
+            <a:noFill/>
+          </a:ln>
+        </p:spPr>
+        <p:style>
+          <a:lnRef idx="2">
+            <a:schemeClr val="accent1">
+              <a:shade val="50000"/>
+            </a:schemeClr>
+          </a:lnRef>
+          <a:fillRef idx="1">
+            <a:schemeClr val="accent1"/>
+          </a:fillRef>
+          <a:effectRef idx="0">
+            <a:schemeClr val="accent1"/>
+          </a:effectRef>
+          <a:fontRef idx="minor">
+            <a:schemeClr val="lt1"/>
+          </a:fontRef>
+        </p:style>
+        <p:txBody>
+          <a:bodyPr wrap="square" rtlCol="0" anchor="ctr">
+            <a:noAutofit/>
+          </a:bodyPr>
+          <a:lstStyle/>
+          <a:p>
+            <a:pPr algn="ctr"/>
+            <a:endParaRPr lang="en-US"/>
+          </a:p>
+        </p:txBody>
+      </p:sp>
+      <p:sp>
+        <p:nvSpPr>
+          <p:cNvPr id="15" name="Rectangle 14">
+            <a:extLst>
+              <a:ext uri="{FF2B5EF4-FFF2-40B4-BE49-F238E27FC236}">
+                <a16:creationId xmlns:a16="http://schemas.microsoft.com/office/drawing/2014/main" id="{3783CA14-24A1-485C-8B30-D6A5D87987AD}"/>
+              </a:ext>
+              <a:ext uri="{C183D7F6-B498-43B3-948B-1728B52AA6E4}">
+                <adec:decorative xmlns:adec="http://schemas.microsoft.com/office/drawing/2017/decorative" val="1"/>
+              </a:ext>
+            </a:extLst>
+          </p:cNvPr>
+          <p:cNvSpPr>
+            <a:spLocks noGrp="1" noRot="1" noChangeAspect="1" noMove="1" noResize="1" noEditPoints="1" noAdjustHandles="1" noChangeArrowheads="1" noChangeShapeType="1" noTextEdit="1"/>
+          </p:cNvSpPr>
+          <p:nvPr>
+            <p:extLst>
+              <p:ext uri="{386F3935-93C4-4BCD-93E2-E3B085C9AB24}">
+                <p16:designElem xmlns:p16="http://schemas.microsoft.com/office/powerpoint/2015/main" val="1"/>
+              </p:ext>
+            </p:extLst>
+          </p:nvPr>
+        </p:nvSpPr>
+        <p:spPr>
+          <a:xfrm rot="18900000" flipH="1">
+            <a:off x="10043482" y="655140"/>
+            <a:ext cx="687472" cy="687472"/>
+          </a:xfrm>
+          <a:prstGeom prst="rect">
+            <a:avLst/>
+          </a:prstGeom>
+          <a:solidFill>
+            <a:schemeClr val="accent4">
+              <a:alpha val="30000"/>
+            </a:schemeClr>
+          </a:solidFill>
+          <a:ln>
+            <a:noFill/>
+          </a:ln>
+        </p:spPr>
+        <p:style>
+          <a:lnRef idx="2">
+            <a:schemeClr val="accent1">
+              <a:shade val="50000"/>
+            </a:schemeClr>
+          </a:lnRef>
+          <a:fillRef idx="1">
+            <a:schemeClr val="accent1"/>
+          </a:fillRef>
+          <a:effectRef idx="0">
+            <a:schemeClr val="accent1"/>
+          </a:effectRef>
+          <a:fontRef idx="minor">
+            <a:schemeClr val="lt1"/>
+          </a:fontRef>
+        </p:style>
+        <p:txBody>
+          <a:bodyPr rtlCol="0" anchor="ctr"/>
+          <a:lstStyle/>
+          <a:p>
+            <a:pPr algn="ctr"/>
+            <a:endParaRPr lang="en-US"/>
+          </a:p>
+        </p:txBody>
+      </p:sp>
+      <p:sp>
+        <p:nvSpPr>
+          <p:cNvPr id="17" name="Freeform: Shape 16">
+            <a:extLst>
+              <a:ext uri="{FF2B5EF4-FFF2-40B4-BE49-F238E27FC236}">
+                <a16:creationId xmlns:a16="http://schemas.microsoft.com/office/drawing/2014/main" id="{9A97C86A-04D6-40F7-AE84-31AB43E6A846}"/>
+              </a:ext>
+              <a:ext uri="{C183D7F6-B498-43B3-948B-1728B52AA6E4}">
+                <adec:decorative xmlns:adec="http://schemas.microsoft.com/office/drawing/2017/decorative" val="1"/>
+              </a:ext>
+            </a:extLst>
+          </p:cNvPr>
+          <p:cNvSpPr>
+            <a:spLocks noGrp="1" noRot="1" noChangeAspect="1" noMove="1" noResize="1" noEditPoints="1" noAdjustHandles="1" noChangeArrowheads="1" noChangeShapeType="1" noTextEdit="1"/>
+          </p:cNvSpPr>
+          <p:nvPr>
+            <p:extLst>
+              <p:ext uri="{386F3935-93C4-4BCD-93E2-E3B085C9AB24}">
+                <p16:designElem xmlns:p16="http://schemas.microsoft.com/office/powerpoint/2015/main" val="1"/>
+              </p:ext>
+            </p:extLst>
+          </p:nvPr>
+        </p:nvSpPr>
+        <p:spPr>
+          <a:xfrm rot="10800000" flipH="1">
+            <a:off x="9356643" y="0"/>
+            <a:ext cx="2835357" cy="1480837"/>
+          </a:xfrm>
+          <a:custGeom>
+            <a:avLst/>
+            <a:gdLst>
+              <a:gd name="connsiteX0" fmla="*/ 2835357 w 2835357"/>
+              <a:gd name="connsiteY0" fmla="*/ 1480837 h 1480837"/>
+              <a:gd name="connsiteX1" fmla="*/ 0 w 2835357"/>
+              <a:gd name="connsiteY1" fmla="*/ 1480837 h 1480837"/>
+              <a:gd name="connsiteX2" fmla="*/ 1552727 w 2835357"/>
+              <a:gd name="connsiteY2" fmla="*/ 0 h 1480837"/>
+              <a:gd name="connsiteX3" fmla="*/ 2835357 w 2835357"/>
+              <a:gd name="connsiteY3" fmla="*/ 1223245 h 1480837"/>
+            </a:gdLst>
+            <a:ahLst/>
+            <a:cxnLst>
+              <a:cxn ang="0">
+                <a:pos x="connsiteX0" y="connsiteY0"/>
+              </a:cxn>
+              <a:cxn ang="0">
+                <a:pos x="connsiteX1" y="connsiteY1"/>
+              </a:cxn>
+              <a:cxn ang="0">
+                <a:pos x="connsiteX2" y="connsiteY2"/>
+              </a:cxn>
+              <a:cxn ang="0">
+                <a:pos x="connsiteX3" y="connsiteY3"/>
+              </a:cxn>
+            </a:cxnLst>
+            <a:rect l="l" t="t" r="r" b="b"/>
+            <a:pathLst>
+              <a:path w="2835357" h="1480837">
+                <a:moveTo>
+                  <a:pt x="2835357" y="1480837"/>
+                </a:moveTo>
+                <a:lnTo>
+                  <a:pt x="0" y="1480837"/>
+                </a:lnTo>
+                <a:lnTo>
+                  <a:pt x="1552727" y="0"/>
+                </a:lnTo>
+                <a:lnTo>
+                  <a:pt x="2835357" y="1223245"/>
+                </a:lnTo>
+                <a:close/>
+              </a:path>
+            </a:pathLst>
+          </a:custGeom>
+          <a:solidFill>
+            <a:schemeClr val="accent4">
+              <a:alpha val="30000"/>
+            </a:schemeClr>
+          </a:solidFill>
+          <a:ln>
+            <a:noFill/>
+          </a:ln>
+        </p:spPr>
+        <p:style>
+          <a:lnRef idx="2">
+            <a:schemeClr val="accent1">
+              <a:shade val="50000"/>
+            </a:schemeClr>
+          </a:lnRef>
+          <a:fillRef idx="1">
+            <a:schemeClr val="accent1"/>
+          </a:fillRef>
+          <a:effectRef idx="0">
+            <a:schemeClr val="accent1"/>
+          </a:effectRef>
+          <a:fontRef idx="minor">
+            <a:schemeClr val="lt1"/>
+          </a:fontRef>
+        </p:style>
+        <p:txBody>
+          <a:bodyPr wrap="square" rtlCol="0" anchor="ctr">
+            <a:noAutofit/>
+          </a:bodyPr>
+          <a:lstStyle/>
+          <a:p>
+            <a:pPr algn="ctr"/>
+            <a:endParaRPr lang="en-US" dirty="0"/>
+          </a:p>
+        </p:txBody>
+      </p:sp>
+      <p:sp>
+        <p:nvSpPr>
+          <p:cNvPr id="3" name="Content Placeholder 2">
+            <a:extLst>
+              <a:ext uri="{FF2B5EF4-FFF2-40B4-BE49-F238E27FC236}">
+                <a16:creationId xmlns:a16="http://schemas.microsoft.com/office/drawing/2014/main" id="{59A1252D-BADC-274F-89D2-65AD6CCF8FC9}"/>
+              </a:ext>
+            </a:extLst>
+          </p:cNvPr>
+          <p:cNvSpPr>
+            <a:spLocks noGrp="1"/>
+          </p:cNvSpPr>
+          <p:nvPr>
+            <p:ph idx="1"/>
+          </p:nvPr>
+        </p:nvSpPr>
+        <p:spPr>
+          <a:xfrm>
+            <a:off x="643467" y="1698170"/>
+            <a:ext cx="6478513" cy="4516361"/>
+          </a:xfrm>
+        </p:spPr>
+        <p:txBody>
+          <a:bodyPr>
+            <a:normAutofit/>
+          </a:bodyPr>
+          <a:lstStyle/>
+          <a:p>
+            <a:endParaRPr lang="en-US" sz="2000"/>
+          </a:p>
+          <a:p>
+            <a:pPr marL="0" indent="0">
+              <a:buNone/>
+            </a:pPr>
+            <a:r>
+              <a:rPr lang="en-US" sz="2000">
+                <a:hlinkClick r:id="rId2"/>
+              </a:rPr>
+              <a:t>https://www.youtube.com/watch?v=TReelsVxWxg&amp;t=3s</a:t>
+            </a:r>
+            <a:endParaRPr lang="en-US" sz="2000">
+              <a:hlinkClick r:id="rId3"/>
+            </a:endParaRPr>
+          </a:p>
+          <a:p>
+            <a:pPr marL="0" indent="0">
+              <a:buNone/>
+            </a:pPr>
+            <a:r>
+              <a:rPr lang="en-US" sz="2000">
+                <a:hlinkClick r:id="rId3"/>
+              </a:rPr>
+              <a:t>https://towardsdatascience.com/a-very-brief-introduction-to-fuzzy-logic-and-fuzzy-systems-d68d14b3a3b8</a:t>
+            </a:r>
+            <a:endParaRPr lang="en-US" sz="2000"/>
+          </a:p>
+          <a:p>
+            <a:pPr marL="0" indent="0">
+              <a:buNone/>
+            </a:pPr>
+            <a:r>
+              <a:rPr lang="en-US" sz="2000">
+                <a:hlinkClick r:id="rId4"/>
+              </a:rPr>
+              <a:t>https://medium.com/simplex-internet-blog/introduction-to-fuzzy-logic-3664c610d98c</a:t>
+            </a:r>
+            <a:endParaRPr lang="en-US" sz="2000"/>
+          </a:p>
+          <a:p>
+            <a:pPr marL="0" indent="0">
+              <a:buNone/>
+            </a:pPr>
+            <a:r>
+              <a:rPr lang="en-US" sz="2000">
+                <a:hlinkClick r:id="rId5"/>
+              </a:rPr>
+              <a:t>https://medium.com/verifyas/fuzzy-logic-explained-67c075c2b228</a:t>
+            </a:r>
+            <a:endParaRPr lang="en-US" sz="2000"/>
+          </a:p>
+          <a:p>
+            <a:pPr marL="0" indent="0">
+              <a:buNone/>
+            </a:pPr>
+            <a:r>
+              <a:rPr lang="en-US" sz="2000">
+                <a:hlinkClick r:id="rId6"/>
+              </a:rPr>
+              <a:t>https://www.massey.ac.nz/~nhreyes/MASSEY/159741/Lectures/Lec2012-3-159741-FuzzyLogic-v.2.pdf</a:t>
+            </a:r>
+            <a:endParaRPr lang="en-US" sz="2000"/>
+          </a:p>
+        </p:txBody>
+      </p:sp>
+      <p:sp>
+        <p:nvSpPr>
+          <p:cNvPr id="4" name="Slide Number Placeholder 3">
+            <a:extLst>
+              <a:ext uri="{FF2B5EF4-FFF2-40B4-BE49-F238E27FC236}">
+                <a16:creationId xmlns:a16="http://schemas.microsoft.com/office/drawing/2014/main" id="{E79B7918-87B9-1846-8BDA-7349A339B220}"/>
+              </a:ext>
+            </a:extLst>
+          </p:cNvPr>
+          <p:cNvSpPr>
+            <a:spLocks noGrp="1"/>
+          </p:cNvSpPr>
+          <p:nvPr>
+            <p:ph type="sldNum" sz="quarter" idx="12"/>
+          </p:nvPr>
+        </p:nvSpPr>
+        <p:spPr>
+          <a:xfrm>
+            <a:off x="8610600" y="6356350"/>
+            <a:ext cx="2937932" cy="365125"/>
+          </a:xfrm>
+        </p:spPr>
+        <p:txBody>
+          <a:bodyPr>
+            <a:normAutofit/>
+          </a:bodyPr>
+          <a:lstStyle/>
+          <a:p>
+            <a:pPr>
+              <a:spcAft>
+                <a:spcPts val="600"/>
+              </a:spcAft>
+            </a:pPr>
+            <a:fld id="{58779958-F27D-7F47-BDA2-4534467ECC5D}" type="slidenum">
+              <a:rPr lang="en-US" smtClean="0"/>
+              <a:pPr>
+                <a:spcAft>
+                  <a:spcPts val="600"/>
+                </a:spcAft>
+              </a:pPr>
+              <a:t>11</a:t>
+            </a:fld>
+            <a:endParaRPr lang="en-US"/>
+          </a:p>
+        </p:txBody>
+      </p:sp>
+      <p:sp>
+        <p:nvSpPr>
+          <p:cNvPr id="19" name="Isosceles Triangle 18">
+            <a:extLst>
+              <a:ext uri="{FF2B5EF4-FFF2-40B4-BE49-F238E27FC236}">
+                <a16:creationId xmlns:a16="http://schemas.microsoft.com/office/drawing/2014/main" id="{FF9F2414-84E8-453E-B1F3-389FDE8192D9}"/>
+              </a:ext>
+              <a:ext uri="{C183D7F6-B498-43B3-948B-1728B52AA6E4}">
+                <adec:decorative xmlns:adec="http://schemas.microsoft.com/office/drawing/2017/decorative" val="1"/>
+              </a:ext>
+            </a:extLst>
+          </p:cNvPr>
+          <p:cNvSpPr>
+            <a:spLocks noGrp="1" noRot="1" noChangeAspect="1" noMove="1" noResize="1" noEditPoints="1" noAdjustHandles="1" noChangeArrowheads="1" noChangeShapeType="1" noTextEdit="1"/>
+          </p:cNvSpPr>
+          <p:nvPr>
+            <p:extLst>
+              <p:ext uri="{386F3935-93C4-4BCD-93E2-E3B085C9AB24}">
+                <p16:designElem xmlns:p16="http://schemas.microsoft.com/office/powerpoint/2015/main" val="1"/>
+              </p:ext>
+            </p:extLst>
+          </p:nvPr>
+        </p:nvSpPr>
+        <p:spPr>
+          <a:xfrm flipH="1">
+            <a:off x="7976344" y="6115501"/>
+            <a:ext cx="1494513" cy="742499"/>
+          </a:xfrm>
+          <a:prstGeom prst="triangle">
+            <a:avLst/>
+          </a:prstGeom>
+          <a:solidFill>
+            <a:schemeClr val="accent1">
+              <a:alpha val="30000"/>
+            </a:schemeClr>
+          </a:solidFill>
+          <a:ln>
+            <a:noFill/>
+          </a:ln>
+        </p:spPr>
+        <p:style>
+          <a:lnRef idx="2">
+            <a:schemeClr val="accent1">
+              <a:shade val="50000"/>
+            </a:schemeClr>
+          </a:lnRef>
+          <a:fillRef idx="1">
+            <a:schemeClr val="accent1"/>
+          </a:fillRef>
+          <a:effectRef idx="0">
+            <a:schemeClr val="accent1"/>
+          </a:effectRef>
+          <a:fontRef idx="minor">
+            <a:schemeClr val="lt1"/>
+          </a:fontRef>
+        </p:style>
+        <p:txBody>
+          <a:bodyPr wrap="square" rtlCol="0" anchor="ctr">
+            <a:noAutofit/>
+          </a:bodyPr>
+          <a:lstStyle/>
+          <a:p>
+            <a:pPr algn="ctr"/>
+            <a:endParaRPr lang="en-US"/>
+          </a:p>
+        </p:txBody>
+      </p:sp>
+      <p:sp>
+        <p:nvSpPr>
+          <p:cNvPr id="21" name="Isosceles Triangle 20">
+            <a:extLst>
+              <a:ext uri="{FF2B5EF4-FFF2-40B4-BE49-F238E27FC236}">
+                <a16:creationId xmlns:a16="http://schemas.microsoft.com/office/drawing/2014/main" id="{3ECA69A1-7536-43AC-85EF-C7106179F5ED}"/>
+              </a:ext>
+              <a:ext uri="{C183D7F6-B498-43B3-948B-1728B52AA6E4}">
+                <adec:decorative xmlns:adec="http://schemas.microsoft.com/office/drawing/2017/decorative" val="1"/>
+              </a:ext>
+            </a:extLst>
+          </p:cNvPr>
+          <p:cNvSpPr>
+            <a:spLocks noGrp="1" noRot="1" noChangeAspect="1" noMove="1" noResize="1" noEditPoints="1" noAdjustHandles="1" noChangeArrowheads="1" noChangeShapeType="1" noTextEdit="1"/>
+          </p:cNvSpPr>
+          <p:nvPr>
+            <p:extLst>
+              <p:ext uri="{386F3935-93C4-4BCD-93E2-E3B085C9AB24}">
+                <p16:designElem xmlns:p16="http://schemas.microsoft.com/office/powerpoint/2015/main" val="1"/>
+              </p:ext>
+            </p:extLst>
+          </p:nvPr>
+        </p:nvSpPr>
+        <p:spPr>
+          <a:xfrm flipH="1">
+            <a:off x="7604080" y="6453143"/>
+            <a:ext cx="814903" cy="404857"/>
+          </a:xfrm>
+          <a:prstGeom prst="triangle">
+            <a:avLst/>
+          </a:prstGeom>
+          <a:solidFill>
+            <a:schemeClr val="accent1">
+              <a:alpha val="30000"/>
+            </a:schemeClr>
+          </a:solidFill>
+          <a:ln>
+            <a:noFill/>
+          </a:ln>
+        </p:spPr>
+        <p:style>
+          <a:lnRef idx="2">
+            <a:schemeClr val="accent1">
+              <a:shade val="50000"/>
+            </a:schemeClr>
+          </a:lnRef>
+          <a:fillRef idx="1">
+            <a:schemeClr val="accent1"/>
+          </a:fillRef>
+          <a:effectRef idx="0">
+            <a:schemeClr val="accent1"/>
+          </a:effectRef>
+          <a:fontRef idx="minor">
+            <a:schemeClr val="lt1"/>
+          </a:fontRef>
+        </p:style>
+        <p:txBody>
+          <a:bodyPr wrap="square" rtlCol="0" anchor="ctr">
+            <a:noAutofit/>
+          </a:bodyPr>
+          <a:lstStyle/>
+          <a:p>
+            <a:pPr algn="ctr"/>
+            <a:endParaRPr lang="en-US"/>
+          </a:p>
+        </p:txBody>
+      </p:sp>
+    </p:spTree>
+    <p:extLst>
+      <p:ext uri="{BB962C8B-B14F-4D97-AF65-F5344CB8AC3E}">
+        <p14:creationId xmlns:p14="http://schemas.microsoft.com/office/powerpoint/2010/main" val="3917207507"/>
+      </p:ext>
+    </p:extLst>
+  </p:cSld>
+  <p:clrMapOvr>
+    <a:masterClrMapping/>
+  </p:clrMapOvr>
+</p:sld>
+</file>
+
 <file path=ppt/slides/slide2.xml><?xml version="1.0" encoding="utf-8"?>
 <p:sld xmlns:a="http://schemas.openxmlformats.org/drawingml/2006/main" xmlns:r="http://schemas.openxmlformats.org/officeDocument/2006/relationships" xmlns:p="http://schemas.openxmlformats.org/presentationml/2006/main">
   <p:cSld>
@@ -6259,8 +7036,8 @@
           </a:p>
         </p:txBody>
       </p:sp>
-      <mc:AlternateContent xmlns:mc="http://schemas.openxmlformats.org/markup-compatibility/2006">
-        <mc:Choice xmlns:a14="http://schemas.microsoft.com/office/drawing/2010/main" Requires="a14">
+      <mc:AlternateContent xmlns:mc="http://schemas.openxmlformats.org/markup-compatibility/2006" xmlns:a14="http://schemas.microsoft.com/office/drawing/2010/main">
+        <mc:Choice Requires="a14">
           <p:sp>
             <p:nvSpPr>
               <p:cNvPr id="6" name="Rectangle 5">
@@ -6288,6 +7065,7 @@
               </a:bodyPr>
               <a:lstStyle/>
               <a:p>
+                <a:pPr/>
                 <a14:m>
                   <m:oMathPara xmlns:m="http://schemas.openxmlformats.org/officeDocument/2006/math">
                     <m:oMathParaPr>
@@ -6378,7 +7156,7 @@
             </p:txBody>
           </p:sp>
         </mc:Choice>
-        <mc:Fallback>
+        <mc:Fallback xmlns="">
           <p:sp>
             <p:nvSpPr>
               <p:cNvPr id="6" name="Rectangle 5">
@@ -6423,8 +7201,8 @@
           </p:sp>
         </mc:Fallback>
       </mc:AlternateContent>
-      <mc:AlternateContent xmlns:mc="http://schemas.openxmlformats.org/markup-compatibility/2006">
-        <mc:Choice xmlns:a14="http://schemas.microsoft.com/office/drawing/2010/main" Requires="a14">
+      <mc:AlternateContent xmlns:mc="http://schemas.openxmlformats.org/markup-compatibility/2006" xmlns:a14="http://schemas.microsoft.com/office/drawing/2010/main">
+        <mc:Choice Requires="a14">
           <p:sp>
             <p:nvSpPr>
               <p:cNvPr id="7" name="Rectangle 6">
@@ -6452,6 +7230,7 @@
               </a:bodyPr>
               <a:lstStyle/>
               <a:p>
+                <a:pPr/>
                 <a14:m>
                   <m:oMathPara xmlns:m="http://schemas.openxmlformats.org/officeDocument/2006/math">
                     <m:oMathParaPr>
@@ -6614,7 +7393,7 @@
             </p:txBody>
           </p:sp>
         </mc:Choice>
-        <mc:Fallback>
+        <mc:Fallback xmlns="">
           <p:sp>
             <p:nvSpPr>
               <p:cNvPr id="7" name="Rectangle 6">
@@ -8001,8 +8780,8 @@
           </a:p>
         </p:txBody>
       </p:sp>
-      <mc:AlternateContent xmlns:mc="http://schemas.openxmlformats.org/markup-compatibility/2006">
-        <mc:Choice xmlns:p14="http://schemas.microsoft.com/office/powerpoint/2010/main" Requires="p14">
+      <mc:AlternateContent xmlns:mc="http://schemas.openxmlformats.org/markup-compatibility/2006" xmlns:p14="http://schemas.microsoft.com/office/powerpoint/2010/main">
+        <mc:Choice Requires="p14">
           <p:contentPart p14:bwMode="auto" r:id="rId3">
             <p14:nvContentPartPr>
               <p14:cNvPr id="12" name="Ink 11">
@@ -8021,7 +8800,7 @@
             </p14:xfrm>
           </p:contentPart>
         </mc:Choice>
-        <mc:Fallback>
+        <mc:Fallback xmlns="">
           <p:pic>
             <p:nvPicPr>
               <p:cNvPr id="12" name="Ink 11">
@@ -8052,8 +8831,8 @@
           </p:pic>
         </mc:Fallback>
       </mc:AlternateContent>
-      <mc:AlternateContent xmlns:mc="http://schemas.openxmlformats.org/markup-compatibility/2006">
-        <mc:Choice xmlns:p14="http://schemas.microsoft.com/office/powerpoint/2010/main" Requires="p14">
+      <mc:AlternateContent xmlns:mc="http://schemas.openxmlformats.org/markup-compatibility/2006" xmlns:p14="http://schemas.microsoft.com/office/powerpoint/2010/main">
+        <mc:Choice Requires="p14">
           <p:contentPart p14:bwMode="auto" r:id="rId5">
             <p14:nvContentPartPr>
               <p14:cNvPr id="13" name="Ink 12">
@@ -8072,7 +8851,7 @@
             </p14:xfrm>
           </p:contentPart>
         </mc:Choice>
-        <mc:Fallback>
+        <mc:Fallback xmlns="">
           <p:pic>
             <p:nvPicPr>
               <p:cNvPr id="13" name="Ink 12">
@@ -8103,8 +8882,8 @@
           </p:pic>
         </mc:Fallback>
       </mc:AlternateContent>
-      <mc:AlternateContent xmlns:mc="http://schemas.openxmlformats.org/markup-compatibility/2006">
-        <mc:Choice xmlns:p14="http://schemas.microsoft.com/office/powerpoint/2010/main" Requires="p14">
+      <mc:AlternateContent xmlns:mc="http://schemas.openxmlformats.org/markup-compatibility/2006" xmlns:p14="http://schemas.microsoft.com/office/powerpoint/2010/main">
+        <mc:Choice Requires="p14">
           <p:contentPart p14:bwMode="auto" r:id="rId7">
             <p14:nvContentPartPr>
               <p14:cNvPr id="14" name="Ink 13">
@@ -8123,7 +8902,7 @@
             </p14:xfrm>
           </p:contentPart>
         </mc:Choice>
-        <mc:Fallback>
+        <mc:Fallback xmlns="">
           <p:pic>
             <p:nvPicPr>
               <p:cNvPr id="14" name="Ink 13">
@@ -8154,8 +8933,8 @@
           </p:pic>
         </mc:Fallback>
       </mc:AlternateContent>
-      <mc:AlternateContent xmlns:mc="http://schemas.openxmlformats.org/markup-compatibility/2006">
-        <mc:Choice xmlns:p14="http://schemas.microsoft.com/office/powerpoint/2010/main" Requires="p14">
+      <mc:AlternateContent xmlns:mc="http://schemas.openxmlformats.org/markup-compatibility/2006" xmlns:p14="http://schemas.microsoft.com/office/powerpoint/2010/main">
+        <mc:Choice Requires="p14">
           <p:contentPart p14:bwMode="auto" r:id="rId9">
             <p14:nvContentPartPr>
               <p14:cNvPr id="15" name="Ink 14">
@@ -8174,7 +8953,7 @@
             </p14:xfrm>
           </p:contentPart>
         </mc:Choice>
-        <mc:Fallback>
+        <mc:Fallback xmlns="">
           <p:pic>
             <p:nvPicPr>
               <p:cNvPr id="15" name="Ink 14">
@@ -8205,8 +8984,8 @@
           </p:pic>
         </mc:Fallback>
       </mc:AlternateContent>
-      <mc:AlternateContent xmlns:mc="http://schemas.openxmlformats.org/markup-compatibility/2006">
-        <mc:Choice xmlns:p14="http://schemas.microsoft.com/office/powerpoint/2010/main" Requires="p14">
+      <mc:AlternateContent xmlns:mc="http://schemas.openxmlformats.org/markup-compatibility/2006" xmlns:p14="http://schemas.microsoft.com/office/powerpoint/2010/main">
+        <mc:Choice Requires="p14">
           <p:contentPart p14:bwMode="auto" r:id="rId11">
             <p14:nvContentPartPr>
               <p14:cNvPr id="16" name="Ink 15">
@@ -8225,7 +9004,7 @@
             </p14:xfrm>
           </p:contentPart>
         </mc:Choice>
-        <mc:Fallback>
+        <mc:Fallback xmlns="">
           <p:pic>
             <p:nvPicPr>
               <p:cNvPr id="16" name="Ink 15">
@@ -8256,8 +9035,8 @@
           </p:pic>
         </mc:Fallback>
       </mc:AlternateContent>
-      <mc:AlternateContent xmlns:mc="http://schemas.openxmlformats.org/markup-compatibility/2006">
-        <mc:Choice xmlns:p14="http://schemas.microsoft.com/office/powerpoint/2010/main" Requires="p14">
+      <mc:AlternateContent xmlns:mc="http://schemas.openxmlformats.org/markup-compatibility/2006" xmlns:p14="http://schemas.microsoft.com/office/powerpoint/2010/main">
+        <mc:Choice Requires="p14">
           <p:contentPart p14:bwMode="auto" r:id="rId12">
             <p14:nvContentPartPr>
               <p14:cNvPr id="17" name="Ink 16">
@@ -8276,7 +9055,7 @@
             </p14:xfrm>
           </p:contentPart>
         </mc:Choice>
-        <mc:Fallback>
+        <mc:Fallback xmlns="">
           <p:pic>
             <p:nvPicPr>
               <p:cNvPr id="17" name="Ink 16">
@@ -8307,8 +9086,8 @@
           </p:pic>
         </mc:Fallback>
       </mc:AlternateContent>
-      <mc:AlternateContent xmlns:mc="http://schemas.openxmlformats.org/markup-compatibility/2006">
-        <mc:Choice xmlns:p14="http://schemas.microsoft.com/office/powerpoint/2010/main" Requires="p14">
+      <mc:AlternateContent xmlns:mc="http://schemas.openxmlformats.org/markup-compatibility/2006" xmlns:p14="http://schemas.microsoft.com/office/powerpoint/2010/main">
+        <mc:Choice Requires="p14">
           <p:contentPart p14:bwMode="auto" r:id="rId13">
             <p14:nvContentPartPr>
               <p14:cNvPr id="18" name="Ink 17">
@@ -8327,7 +9106,7 @@
             </p14:xfrm>
           </p:contentPart>
         </mc:Choice>
-        <mc:Fallback>
+        <mc:Fallback xmlns="">
           <p:pic>
             <p:nvPicPr>
               <p:cNvPr id="18" name="Ink 17">
@@ -8358,8 +9137,8 @@
           </p:pic>
         </mc:Fallback>
       </mc:AlternateContent>
-      <mc:AlternateContent xmlns:mc="http://schemas.openxmlformats.org/markup-compatibility/2006">
-        <mc:Choice xmlns:p14="http://schemas.microsoft.com/office/powerpoint/2010/main" Requires="p14">
+      <mc:AlternateContent xmlns:mc="http://schemas.openxmlformats.org/markup-compatibility/2006" xmlns:p14="http://schemas.microsoft.com/office/powerpoint/2010/main">
+        <mc:Choice Requires="p14">
           <p:contentPart p14:bwMode="auto" r:id="rId14">
             <p14:nvContentPartPr>
               <p14:cNvPr id="19" name="Ink 18">
@@ -8378,7 +9157,7 @@
             </p14:xfrm>
           </p:contentPart>
         </mc:Choice>
-        <mc:Fallback>
+        <mc:Fallback xmlns="">
           <p:pic>
             <p:nvPicPr>
               <p:cNvPr id="19" name="Ink 18">
@@ -8409,8 +9188,8 @@
           </p:pic>
         </mc:Fallback>
       </mc:AlternateContent>
-      <mc:AlternateContent xmlns:mc="http://schemas.openxmlformats.org/markup-compatibility/2006">
-        <mc:Choice xmlns:p14="http://schemas.microsoft.com/office/powerpoint/2010/main" Requires="p14">
+      <mc:AlternateContent xmlns:mc="http://schemas.openxmlformats.org/markup-compatibility/2006" xmlns:p14="http://schemas.microsoft.com/office/powerpoint/2010/main">
+        <mc:Choice Requires="p14">
           <p:contentPart p14:bwMode="auto" r:id="rId15">
             <p14:nvContentPartPr>
               <p14:cNvPr id="20" name="Ink 19">
@@ -8429,7 +9208,7 @@
             </p14:xfrm>
           </p:contentPart>
         </mc:Choice>
-        <mc:Fallback>
+        <mc:Fallback xmlns="">
           <p:pic>
             <p:nvPicPr>
               <p:cNvPr id="20" name="Ink 19">
@@ -8899,6 +9678,76 @@
             <a:r>
               <a:rPr lang="en-US" dirty="0"/>
               <a:t>Normal</a:t>
+            </a:r>
+          </a:p>
+        </p:txBody>
+      </p:sp>
+      <p:sp>
+        <p:nvSpPr>
+          <p:cNvPr id="15" name="TextBox 14">
+            <a:extLst>
+              <a:ext uri="{FF2B5EF4-FFF2-40B4-BE49-F238E27FC236}">
+                <a16:creationId xmlns:a16="http://schemas.microsoft.com/office/drawing/2014/main" id="{9F300679-254D-264B-8B2E-0179B26F5DBF}"/>
+              </a:ext>
+            </a:extLst>
+          </p:cNvPr>
+          <p:cNvSpPr txBox="1"/>
+          <p:nvPr/>
+        </p:nvSpPr>
+        <p:spPr>
+          <a:xfrm rot="16200000">
+            <a:off x="11410658" y="957705"/>
+            <a:ext cx="629403" cy="369332"/>
+          </a:xfrm>
+          <a:prstGeom prst="rect">
+            <a:avLst/>
+          </a:prstGeom>
+          <a:noFill/>
+        </p:spPr>
+        <p:txBody>
+          <a:bodyPr wrap="none" rtlCol="0">
+            <a:spAutoFit/>
+          </a:bodyPr>
+          <a:lstStyle/>
+          <a:p>
+            <a:r>
+              <a:rPr lang="en-US" dirty="0"/>
+              <a:t>Slow</a:t>
+            </a:r>
+          </a:p>
+        </p:txBody>
+      </p:sp>
+      <p:sp>
+        <p:nvSpPr>
+          <p:cNvPr id="16" name="TextBox 15">
+            <a:extLst>
+              <a:ext uri="{FF2B5EF4-FFF2-40B4-BE49-F238E27FC236}">
+                <a16:creationId xmlns:a16="http://schemas.microsoft.com/office/drawing/2014/main" id="{69B8C5CF-6F1E-C341-8F61-E767D541D3D5}"/>
+              </a:ext>
+            </a:extLst>
+          </p:cNvPr>
+          <p:cNvSpPr txBox="1"/>
+          <p:nvPr/>
+        </p:nvSpPr>
+        <p:spPr>
+          <a:xfrm rot="16200000">
+            <a:off x="11236284" y="2551438"/>
+            <a:ext cx="978153" cy="369332"/>
+          </a:xfrm>
+          <a:prstGeom prst="rect">
+            <a:avLst/>
+          </a:prstGeom>
+          <a:noFill/>
+        </p:spPr>
+        <p:txBody>
+          <a:bodyPr wrap="none" rtlCol="0">
+            <a:spAutoFit/>
+          </a:bodyPr>
+          <a:lstStyle/>
+          <a:p>
+            <a:r>
+              <a:rPr lang="en-US" dirty="0"/>
+              <a:t>Medium</a:t>
             </a:r>
           </a:p>
         </p:txBody>
